--- a/alex/UD7/UD7.1 Persistencia.pptx
+++ b/alex/UD7/UD7.1 Persistencia.pptx
@@ -228,7 +228,7 @@
           <a:p>
             <a:fld id="{82E89499-4C5B-4DDE-969A-9333FF39DBC5}" type="datetimeFigureOut">
               <a:rPr lang="es-ES" smtClean="0"/>
-              <a:t>13/12/2023</a:t>
+              <a:t>17/12/2023</a:t>
             </a:fld>
             <a:endParaRPr lang="es-ES"/>
           </a:p>
@@ -741,7 +741,7 @@
             <a:fld id="{B61BEF0D-F0BB-DE4B-95CE-6DB70DBA9567}" type="datetimeFigureOut">
               <a:rPr lang="en-US" dirty="0"/>
               <a:pPr/>
-              <a:t>12/13/2023</a:t>
+              <a:t>12/17/2023</a:t>
             </a:fld>
             <a:endParaRPr lang="en-US" dirty="0"/>
           </a:p>
@@ -1128,7 +1128,7 @@
             <a:fld id="{B61BEF0D-F0BB-DE4B-95CE-6DB70DBA9567}" type="datetimeFigureOut">
               <a:rPr lang="en-US" dirty="0"/>
               <a:pPr/>
-              <a:t>12/13/2023</a:t>
+              <a:t>12/17/2023</a:t>
             </a:fld>
             <a:endParaRPr lang="en-US" dirty="0"/>
           </a:p>
@@ -1360,7 +1360,7 @@
             <a:fld id="{B61BEF0D-F0BB-DE4B-95CE-6DB70DBA9567}" type="datetimeFigureOut">
               <a:rPr lang="en-US" dirty="0"/>
               <a:pPr/>
-              <a:t>12/13/2023</a:t>
+              <a:t>12/17/2023</a:t>
             </a:fld>
             <a:endParaRPr lang="en-US" dirty="0"/>
           </a:p>
@@ -1597,7 +1597,7 @@
             <a:fld id="{B61BEF0D-F0BB-DE4B-95CE-6DB70DBA9567}" type="datetimeFigureOut">
               <a:rPr lang="en-US" dirty="0"/>
               <a:pPr/>
-              <a:t>12/13/2023</a:t>
+              <a:t>12/17/2023</a:t>
             </a:fld>
             <a:endParaRPr lang="en-US" dirty="0"/>
           </a:p>
@@ -2029,7 +2029,7 @@
             <a:fld id="{B61BEF0D-F0BB-DE4B-95CE-6DB70DBA9567}" type="datetimeFigureOut">
               <a:rPr lang="en-US" dirty="0"/>
               <a:pPr/>
-              <a:t>12/13/2023</a:t>
+              <a:t>12/17/2023</a:t>
             </a:fld>
             <a:endParaRPr lang="en-US" dirty="0"/>
           </a:p>
@@ -2328,7 +2328,7 @@
             <a:fld id="{B61BEF0D-F0BB-DE4B-95CE-6DB70DBA9567}" type="datetimeFigureOut">
               <a:rPr lang="en-US" dirty="0"/>
               <a:pPr/>
-              <a:t>12/13/2023</a:t>
+              <a:t>12/17/2023</a:t>
             </a:fld>
             <a:endParaRPr lang="en-US" dirty="0"/>
           </a:p>
@@ -2747,7 +2747,7 @@
             <a:fld id="{B61BEF0D-F0BB-DE4B-95CE-6DB70DBA9567}" type="datetimeFigureOut">
               <a:rPr lang="en-US" dirty="0"/>
               <a:pPr/>
-              <a:t>12/13/2023</a:t>
+              <a:t>12/17/2023</a:t>
             </a:fld>
             <a:endParaRPr lang="en-US" dirty="0"/>
           </a:p>
@@ -2839,7 +2839,7 @@
             <a:fld id="{B61BEF0D-F0BB-DE4B-95CE-6DB70DBA9567}" type="datetimeFigureOut">
               <a:rPr lang="en-US" dirty="0"/>
               <a:pPr/>
-              <a:t>12/13/2023</a:t>
+              <a:t>12/17/2023</a:t>
             </a:fld>
             <a:endParaRPr lang="en-US" dirty="0"/>
           </a:p>
@@ -2998,7 +2998,7 @@
             <a:fld id="{B61BEF0D-F0BB-DE4B-95CE-6DB70DBA9567}" type="datetimeFigureOut">
               <a:rPr lang="en-US" dirty="0"/>
               <a:pPr/>
-              <a:t>12/13/2023</a:t>
+              <a:t>12/17/2023</a:t>
             </a:fld>
             <a:endParaRPr lang="en-US" dirty="0"/>
           </a:p>
@@ -3373,7 +3373,7 @@
             <a:fld id="{B61BEF0D-F0BB-DE4B-95CE-6DB70DBA9567}" type="datetimeFigureOut">
               <a:rPr lang="en-US" dirty="0"/>
               <a:pPr/>
-              <a:t>12/13/2023</a:t>
+              <a:t>12/17/2023</a:t>
             </a:fld>
             <a:endParaRPr lang="en-US" dirty="0"/>
           </a:p>
@@ -3659,7 +3659,7 @@
             <a:fld id="{B61BEF0D-F0BB-DE4B-95CE-6DB70DBA9567}" type="datetimeFigureOut">
               <a:rPr lang="en-US" dirty="0"/>
               <a:pPr/>
-              <a:t>12/13/2023</a:t>
+              <a:t>12/17/2023</a:t>
             </a:fld>
             <a:endParaRPr lang="en-US" dirty="0"/>
           </a:p>
@@ -3867,7 +3867,7 @@
             <a:fld id="{B61BEF0D-F0BB-DE4B-95CE-6DB70DBA9567}" type="datetimeFigureOut">
               <a:rPr lang="en-US" dirty="0"/>
               <a:pPr/>
-              <a:t>12/13/2023</a:t>
+              <a:t>12/17/2023</a:t>
             </a:fld>
             <a:endParaRPr lang="en-US" dirty="0"/>
           </a:p>
@@ -9495,7 +9495,7 @@
               <a:buNone/>
             </a:pPr>
             <a:r>
-              <a:rPr lang="es-ES" sz="2800" dirty="0">
+              <a:rPr lang="es-ES" sz="2800" u="sng" dirty="0">
                 <a:solidFill>
                   <a:schemeClr val="tx1"/>
                 </a:solidFill>
@@ -9505,7 +9505,7 @@
               <a:t>Para crear subdirectorios dentro de </a:t>
             </a:r>
             <a:r>
-              <a:rPr lang="es-ES" sz="2800" b="1" dirty="0">
+              <a:rPr lang="es-ES" sz="2800" b="1" u="sng" dirty="0">
                 <a:solidFill>
                   <a:schemeClr val="tx1"/>
                 </a:solidFill>
@@ -9515,7 +9515,7 @@
               <a:t>files</a:t>
             </a:r>
             <a:r>
-              <a:rPr lang="es-ES" sz="2800" dirty="0">
+              <a:rPr lang="es-ES" sz="2800" u="sng" dirty="0">
                 <a:solidFill>
                   <a:schemeClr val="tx1"/>
                 </a:solidFill>
@@ -16147,8 +16147,8 @@
         </p:blipFill>
         <p:spPr>
           <a:xfrm>
-            <a:off x="1745581" y="3501008"/>
-            <a:ext cx="8700837" cy="2877199"/>
+            <a:off x="221283" y="2996952"/>
+            <a:ext cx="10225135" cy="3381255"/>
           </a:xfrm>
           <a:prstGeom prst="rect">
             <a:avLst/>
@@ -19205,8 +19205,8 @@
         </p:blipFill>
         <p:spPr>
           <a:xfrm>
-            <a:off x="2408047" y="2240517"/>
-            <a:ext cx="7375905" cy="3455561"/>
+            <a:off x="1559497" y="1708035"/>
+            <a:ext cx="9361040" cy="4385583"/>
           </a:xfrm>
           <a:prstGeom prst="rect">
             <a:avLst/>
@@ -21695,8 +21695,8 @@
         </p:blipFill>
         <p:spPr>
           <a:xfrm>
-            <a:off x="983432" y="1908255"/>
-            <a:ext cx="4864752" cy="3891867"/>
+            <a:off x="-1464840" y="876542"/>
+            <a:ext cx="6264696" cy="5011841"/>
           </a:xfrm>
           <a:prstGeom prst="rect">
             <a:avLst/>
@@ -21730,8 +21730,8 @@
         </p:blipFill>
         <p:spPr>
           <a:xfrm>
-            <a:off x="6343818" y="2486340"/>
-            <a:ext cx="4864752" cy="3891867"/>
+            <a:off x="5159896" y="876542"/>
+            <a:ext cx="6664952" cy="5332051"/>
           </a:xfrm>
           <a:prstGeom prst="rect">
             <a:avLst/>
